--- a/Becoming a Confident Meetup Organizer in 8 Easy Years.pptx
+++ b/Becoming a Confident Meetup Organizer in 8 Easy Years.pptx
@@ -5,7 +5,7 @@
     <p:sldMasterId id="2147483648" r:id="rId1"/>
   </p:sldMasterIdLst>
   <p:notesMasterIdLst>
-    <p:notesMasterId r:id="rId21"/>
+    <p:notesMasterId r:id="rId26"/>
   </p:notesMasterIdLst>
   <p:sldIdLst>
     <p:sldId id="256" r:id="rId2"/>
@@ -27,6 +27,11 @@
     <p:sldId id="272" r:id="rId18"/>
     <p:sldId id="273" r:id="rId19"/>
     <p:sldId id="274" r:id="rId20"/>
+    <p:sldId id="275" r:id="rId21"/>
+    <p:sldId id="276" r:id="rId22"/>
+    <p:sldId id="277" r:id="rId23"/>
+    <p:sldId id="278" r:id="rId24"/>
+    <p:sldId id="279" r:id="rId25"/>
   </p:sldIdLst>
   <p:sldSz cx="12192000" cy="6858000"/>
   <p:notesSz cx="6858000" cy="9144000"/>
@@ -557,6 +562,235 @@
     <p:extLst>
       <p:ext uri="{BB962C8B-B14F-4D97-AF65-F5344CB8AC3E}">
         <p14:creationId xmlns:p14="http://schemas.microsoft.com/office/powerpoint/2010/main" val="885971483"/>
+      </p:ext>
+    </p:extLst>
+  </p:cSld>
+  <p:clrMapOvr>
+    <a:masterClrMapping/>
+  </p:clrMapOvr>
+</p:notes>
+</file>
+
+<file path=ppt/notesSlides/notesSlide10.xml><?xml version="1.0" encoding="utf-8"?>
+<p:notes xmlns:a="http://schemas.openxmlformats.org/drawingml/2006/main" xmlns:r="http://schemas.openxmlformats.org/officeDocument/2006/relationships" xmlns:p="http://schemas.openxmlformats.org/presentationml/2006/main">
+  <p:cSld>
+    <p:spTree>
+      <p:nvGrpSpPr>
+        <p:cNvPr id="1" name=""/>
+        <p:cNvGrpSpPr/>
+        <p:nvPr/>
+      </p:nvGrpSpPr>
+      <p:grpSpPr>
+        <a:xfrm>
+          <a:off x="0" y="0"/>
+          <a:ext cx="0" cy="0"/>
+          <a:chOff x="0" y="0"/>
+          <a:chExt cx="0" cy="0"/>
+        </a:xfrm>
+      </p:grpSpPr>
+      <p:sp>
+        <p:nvSpPr>
+          <p:cNvPr id="2" name="Slide Image Placeholder 1"/>
+          <p:cNvSpPr>
+            <a:spLocks noGrp="1" noRot="1" noChangeAspect="1"/>
+          </p:cNvSpPr>
+          <p:nvPr>
+            <p:ph type="sldImg"/>
+          </p:nvPr>
+        </p:nvSpPr>
+        <p:spPr/>
+      </p:sp>
+      <p:sp>
+        <p:nvSpPr>
+          <p:cNvPr id="3" name="Notes Placeholder 2"/>
+          <p:cNvSpPr>
+            <a:spLocks noGrp="1"/>
+          </p:cNvSpPr>
+          <p:nvPr>
+            <p:ph type="body" idx="1"/>
+          </p:nvPr>
+        </p:nvSpPr>
+        <p:spPr/>
+        <p:txBody>
+          <a:bodyPr/>
+          <a:lstStyle/>
+          <a:p>
+            <a:pPr marL="171450" indent="-171450">
+              <a:buFont typeface="Arial" panose="020B0604020202020204" pitchFamily="34" charset="0"/>
+              <a:buChar char="•"/>
+            </a:pPr>
+            <a:r>
+              <a:rPr lang="en-US" dirty="0"/>
+              <a:t>Take vacation</a:t>
+            </a:r>
+          </a:p>
+          <a:p>
+            <a:pPr marL="628650" lvl="1" indent="-171450">
+              <a:buFont typeface="Arial" panose="020B0604020202020204" pitchFamily="34" charset="0"/>
+              <a:buChar char="•"/>
+            </a:pPr>
+            <a:r>
+              <a:rPr lang="en-US" dirty="0"/>
+              <a:t>Turn off technology</a:t>
+            </a:r>
+          </a:p>
+          <a:p>
+            <a:pPr marL="628650" lvl="1" indent="-171450">
+              <a:buFont typeface="Arial" panose="020B0604020202020204" pitchFamily="34" charset="0"/>
+              <a:buChar char="•"/>
+            </a:pPr>
+            <a:r>
+              <a:rPr lang="en-US" dirty="0"/>
+              <a:t>Spend time with Friends and Family</a:t>
+            </a:r>
+          </a:p>
+          <a:p>
+            <a:pPr marL="171450" lvl="0" indent="-171450">
+              <a:buFont typeface="Arial" panose="020B0604020202020204" pitchFamily="34" charset="0"/>
+              <a:buChar char="•"/>
+            </a:pPr>
+            <a:r>
+              <a:rPr lang="en-US" dirty="0"/>
+              <a:t>Tests the limits of unlimited vacation</a:t>
+            </a:r>
+          </a:p>
+          <a:p>
+            <a:pPr marL="171450" lvl="0" indent="-171450">
+              <a:buFont typeface="Arial" panose="020B0604020202020204" pitchFamily="34" charset="0"/>
+              <a:buChar char="•"/>
+            </a:pPr>
+            <a:endParaRPr lang="en-US" dirty="0"/>
+          </a:p>
+          <a:p>
+            <a:endParaRPr lang="en-US" dirty="0"/>
+          </a:p>
+        </p:txBody>
+      </p:sp>
+      <p:sp>
+        <p:nvSpPr>
+          <p:cNvPr id="4" name="Slide Number Placeholder 3"/>
+          <p:cNvSpPr>
+            <a:spLocks noGrp="1"/>
+          </p:cNvSpPr>
+          <p:nvPr>
+            <p:ph type="sldNum" sz="quarter" idx="5"/>
+          </p:nvPr>
+        </p:nvSpPr>
+        <p:spPr/>
+        <p:txBody>
+          <a:bodyPr/>
+          <a:lstStyle/>
+          <a:p>
+            <a:fld id="{93DDF1E5-941A-4C29-8AB6-5AD3DC774177}" type="slidenum">
+              <a:rPr lang="en-US" smtClean="0"/>
+              <a:t>21</a:t>
+            </a:fld>
+            <a:endParaRPr lang="en-US"/>
+          </a:p>
+        </p:txBody>
+      </p:sp>
+    </p:spTree>
+    <p:extLst>
+      <p:ext uri="{BB962C8B-B14F-4D97-AF65-F5344CB8AC3E}">
+        <p14:creationId xmlns:p14="http://schemas.microsoft.com/office/powerpoint/2010/main" val="1365776059"/>
+      </p:ext>
+    </p:extLst>
+  </p:cSld>
+  <p:clrMapOvr>
+    <a:masterClrMapping/>
+  </p:clrMapOvr>
+</p:notes>
+</file>
+
+<file path=ppt/notesSlides/notesSlide11.xml><?xml version="1.0" encoding="utf-8"?>
+<p:notes xmlns:a="http://schemas.openxmlformats.org/drawingml/2006/main" xmlns:r="http://schemas.openxmlformats.org/officeDocument/2006/relationships" xmlns:p="http://schemas.openxmlformats.org/presentationml/2006/main">
+  <p:cSld>
+    <p:spTree>
+      <p:nvGrpSpPr>
+        <p:cNvPr id="1" name=""/>
+        <p:cNvGrpSpPr/>
+        <p:nvPr/>
+      </p:nvGrpSpPr>
+      <p:grpSpPr>
+        <a:xfrm>
+          <a:off x="0" y="0"/>
+          <a:ext cx="0" cy="0"/>
+          <a:chOff x="0" y="0"/>
+          <a:chExt cx="0" cy="0"/>
+        </a:xfrm>
+      </p:grpSpPr>
+      <p:sp>
+        <p:nvSpPr>
+          <p:cNvPr id="2" name="Slide Image Placeholder 1"/>
+          <p:cNvSpPr>
+            <a:spLocks noGrp="1" noRot="1" noChangeAspect="1"/>
+          </p:cNvSpPr>
+          <p:nvPr>
+            <p:ph type="sldImg"/>
+          </p:nvPr>
+        </p:nvSpPr>
+        <p:spPr/>
+      </p:sp>
+      <p:sp>
+        <p:nvSpPr>
+          <p:cNvPr id="3" name="Notes Placeholder 2"/>
+          <p:cNvSpPr>
+            <a:spLocks noGrp="1"/>
+          </p:cNvSpPr>
+          <p:nvPr>
+            <p:ph type="body" idx="1"/>
+          </p:nvPr>
+        </p:nvSpPr>
+        <p:spPr/>
+        <p:txBody>
+          <a:bodyPr/>
+          <a:lstStyle/>
+          <a:p>
+            <a:pPr marL="171450" indent="-171450">
+              <a:buFontTx/>
+              <a:buChar char="-"/>
+            </a:pPr>
+            <a:r>
+              <a:rPr lang="en-US" dirty="0"/>
+              <a:t>When you’re vulnerable stuff is going to come out</a:t>
+            </a:r>
+          </a:p>
+          <a:p>
+            <a:pPr marL="171450" indent="-171450">
+              <a:buFontTx/>
+              <a:buChar char="-"/>
+            </a:pPr>
+            <a:endParaRPr lang="en-US" dirty="0"/>
+          </a:p>
+        </p:txBody>
+      </p:sp>
+      <p:sp>
+        <p:nvSpPr>
+          <p:cNvPr id="4" name="Slide Number Placeholder 3"/>
+          <p:cNvSpPr>
+            <a:spLocks noGrp="1"/>
+          </p:cNvSpPr>
+          <p:nvPr>
+            <p:ph type="sldNum" sz="quarter" idx="5"/>
+          </p:nvPr>
+        </p:nvSpPr>
+        <p:spPr/>
+        <p:txBody>
+          <a:bodyPr/>
+          <a:lstStyle/>
+          <a:p>
+            <a:fld id="{93DDF1E5-941A-4C29-8AB6-5AD3DC774177}" type="slidenum">
+              <a:rPr lang="en-US" smtClean="0"/>
+              <a:t>22</a:t>
+            </a:fld>
+            <a:endParaRPr lang="en-US"/>
+          </a:p>
+        </p:txBody>
+      </p:sp>
+    </p:spTree>
+    <p:extLst>
+      <p:ext uri="{BB962C8B-B14F-4D97-AF65-F5344CB8AC3E}">
+        <p14:creationId xmlns:p14="http://schemas.microsoft.com/office/powerpoint/2010/main" val="2550637018"/>
       </p:ext>
     </p:extLst>
   </p:cSld>
@@ -17246,6 +17480,518 @@
     <p:extLst>
       <p:ext uri="{BB962C8B-B14F-4D97-AF65-F5344CB8AC3E}">
         <p14:creationId xmlns:p14="http://schemas.microsoft.com/office/powerpoint/2010/main" val="1404343385"/>
+      </p:ext>
+    </p:extLst>
+  </p:cSld>
+  <p:clrMapOvr>
+    <a:masterClrMapping/>
+  </p:clrMapOvr>
+</p:sld>
+</file>
+
+<file path=ppt/slides/slide20.xml><?xml version="1.0" encoding="utf-8"?>
+<p:sld xmlns:a="http://schemas.openxmlformats.org/drawingml/2006/main" xmlns:r="http://schemas.openxmlformats.org/officeDocument/2006/relationships" xmlns:p="http://schemas.openxmlformats.org/presentationml/2006/main">
+  <p:cSld>
+    <p:spTree>
+      <p:nvGrpSpPr>
+        <p:cNvPr id="1" name=""/>
+        <p:cNvGrpSpPr/>
+        <p:nvPr/>
+      </p:nvGrpSpPr>
+      <p:grpSpPr>
+        <a:xfrm>
+          <a:off x="0" y="0"/>
+          <a:ext cx="0" cy="0"/>
+          <a:chOff x="0" y="0"/>
+          <a:chExt cx="0" cy="0"/>
+        </a:xfrm>
+      </p:grpSpPr>
+      <p:sp>
+        <p:nvSpPr>
+          <p:cNvPr id="2" name="Title 1">
+            <a:extLst>
+              <a:ext uri="{FF2B5EF4-FFF2-40B4-BE49-F238E27FC236}">
+                <a16:creationId xmlns:a16="http://schemas.microsoft.com/office/drawing/2014/main" id="{C4309979-C59A-4EF7-990F-D37B78FB5FF4}"/>
+              </a:ext>
+            </a:extLst>
+          </p:cNvPr>
+          <p:cNvSpPr>
+            <a:spLocks noGrp="1"/>
+          </p:cNvSpPr>
+          <p:nvPr>
+            <p:ph type="title"/>
+          </p:nvPr>
+        </p:nvSpPr>
+        <p:spPr/>
+        <p:txBody>
+          <a:bodyPr/>
+          <a:lstStyle/>
+          <a:p>
+            <a:r>
+              <a:rPr lang="en-US" dirty="0"/>
+              <a:t>Self Care</a:t>
+            </a:r>
+          </a:p>
+        </p:txBody>
+      </p:sp>
+      <p:sp>
+        <p:nvSpPr>
+          <p:cNvPr id="3" name="Content Placeholder 2">
+            <a:extLst>
+              <a:ext uri="{FF2B5EF4-FFF2-40B4-BE49-F238E27FC236}">
+                <a16:creationId xmlns:a16="http://schemas.microsoft.com/office/drawing/2014/main" id="{25083BB9-E40A-4D83-9BC7-351FEFBF5603}"/>
+              </a:ext>
+            </a:extLst>
+          </p:cNvPr>
+          <p:cNvSpPr>
+            <a:spLocks noGrp="1"/>
+          </p:cNvSpPr>
+          <p:nvPr>
+            <p:ph idx="1"/>
+          </p:nvPr>
+        </p:nvSpPr>
+        <p:spPr/>
+        <p:txBody>
+          <a:bodyPr/>
+          <a:lstStyle/>
+          <a:p>
+            <a:r>
+              <a:rPr lang="en-US" dirty="0"/>
+              <a:t>Professional</a:t>
+            </a:r>
+          </a:p>
+          <a:p>
+            <a:r>
+              <a:rPr lang="en-US" dirty="0"/>
+              <a:t>Personal</a:t>
+            </a:r>
+          </a:p>
+          <a:p>
+            <a:endParaRPr lang="en-US" dirty="0"/>
+          </a:p>
+        </p:txBody>
+      </p:sp>
+    </p:spTree>
+    <p:extLst>
+      <p:ext uri="{BB962C8B-B14F-4D97-AF65-F5344CB8AC3E}">
+        <p14:creationId xmlns:p14="http://schemas.microsoft.com/office/powerpoint/2010/main" val="1815683318"/>
+      </p:ext>
+    </p:extLst>
+  </p:cSld>
+  <p:clrMapOvr>
+    <a:masterClrMapping/>
+  </p:clrMapOvr>
+</p:sld>
+</file>
+
+<file path=ppt/slides/slide21.xml><?xml version="1.0" encoding="utf-8"?>
+<p:sld xmlns:a="http://schemas.openxmlformats.org/drawingml/2006/main" xmlns:r="http://schemas.openxmlformats.org/officeDocument/2006/relationships" xmlns:p="http://schemas.openxmlformats.org/presentationml/2006/main">
+  <p:cSld>
+    <p:spTree>
+      <p:nvGrpSpPr>
+        <p:cNvPr id="1" name=""/>
+        <p:cNvGrpSpPr/>
+        <p:nvPr/>
+      </p:nvGrpSpPr>
+      <p:grpSpPr>
+        <a:xfrm>
+          <a:off x="0" y="0"/>
+          <a:ext cx="0" cy="0"/>
+          <a:chOff x="0" y="0"/>
+          <a:chExt cx="0" cy="0"/>
+        </a:xfrm>
+      </p:grpSpPr>
+      <p:sp>
+        <p:nvSpPr>
+          <p:cNvPr id="2" name="Title 1">
+            <a:extLst>
+              <a:ext uri="{FF2B5EF4-FFF2-40B4-BE49-F238E27FC236}">
+                <a16:creationId xmlns:a16="http://schemas.microsoft.com/office/drawing/2014/main" id="{936E2F81-8B1B-47EF-960E-66B539FDA469}"/>
+              </a:ext>
+            </a:extLst>
+          </p:cNvPr>
+          <p:cNvSpPr>
+            <a:spLocks noGrp="1"/>
+          </p:cNvSpPr>
+          <p:nvPr>
+            <p:ph type="title"/>
+          </p:nvPr>
+        </p:nvSpPr>
+        <p:spPr/>
+        <p:txBody>
+          <a:bodyPr/>
+          <a:lstStyle/>
+          <a:p>
+            <a:r>
+              <a:rPr lang="en-US" dirty="0"/>
+              <a:t>Professional</a:t>
+            </a:r>
+          </a:p>
+        </p:txBody>
+      </p:sp>
+      <p:sp>
+        <p:nvSpPr>
+          <p:cNvPr id="3" name="Content Placeholder 2">
+            <a:extLst>
+              <a:ext uri="{FF2B5EF4-FFF2-40B4-BE49-F238E27FC236}">
+                <a16:creationId xmlns:a16="http://schemas.microsoft.com/office/drawing/2014/main" id="{A6E8E0A3-35EB-441A-A88D-24E11CE757D2}"/>
+              </a:ext>
+            </a:extLst>
+          </p:cNvPr>
+          <p:cNvSpPr>
+            <a:spLocks noGrp="1"/>
+          </p:cNvSpPr>
+          <p:nvPr>
+            <p:ph idx="1"/>
+          </p:nvPr>
+        </p:nvSpPr>
+        <p:spPr/>
+        <p:txBody>
+          <a:bodyPr/>
+          <a:lstStyle/>
+          <a:p>
+            <a:r>
+              <a:rPr lang="en-US" dirty="0"/>
+              <a:t>Take Vacation</a:t>
+            </a:r>
+          </a:p>
+          <a:p>
+            <a:r>
+              <a:rPr lang="en-US" dirty="0"/>
+              <a:t>No Job is Worth Your…</a:t>
+            </a:r>
+          </a:p>
+        </p:txBody>
+      </p:sp>
+    </p:spTree>
+    <p:extLst>
+      <p:ext uri="{BB962C8B-B14F-4D97-AF65-F5344CB8AC3E}">
+        <p14:creationId xmlns:p14="http://schemas.microsoft.com/office/powerpoint/2010/main" val="795500588"/>
+      </p:ext>
+    </p:extLst>
+  </p:cSld>
+  <p:clrMapOvr>
+    <a:masterClrMapping/>
+  </p:clrMapOvr>
+</p:sld>
+</file>
+
+<file path=ppt/slides/slide22.xml><?xml version="1.0" encoding="utf-8"?>
+<p:sld xmlns:a="http://schemas.openxmlformats.org/drawingml/2006/main" xmlns:r="http://schemas.openxmlformats.org/officeDocument/2006/relationships" xmlns:p="http://schemas.openxmlformats.org/presentationml/2006/main">
+  <p:cSld>
+    <p:spTree>
+      <p:nvGrpSpPr>
+        <p:cNvPr id="1" name=""/>
+        <p:cNvGrpSpPr/>
+        <p:nvPr/>
+      </p:nvGrpSpPr>
+      <p:grpSpPr>
+        <a:xfrm>
+          <a:off x="0" y="0"/>
+          <a:ext cx="0" cy="0"/>
+          <a:chOff x="0" y="0"/>
+          <a:chExt cx="0" cy="0"/>
+        </a:xfrm>
+      </p:grpSpPr>
+      <p:sp>
+        <p:nvSpPr>
+          <p:cNvPr id="2" name="Title 1">
+            <a:extLst>
+              <a:ext uri="{FF2B5EF4-FFF2-40B4-BE49-F238E27FC236}">
+                <a16:creationId xmlns:a16="http://schemas.microsoft.com/office/drawing/2014/main" id="{BC1CAC57-D320-4E59-B16D-B2D8E0BA4551}"/>
+              </a:ext>
+            </a:extLst>
+          </p:cNvPr>
+          <p:cNvSpPr>
+            <a:spLocks noGrp="1"/>
+          </p:cNvSpPr>
+          <p:nvPr>
+            <p:ph type="title"/>
+          </p:nvPr>
+        </p:nvSpPr>
+        <p:spPr/>
+        <p:txBody>
+          <a:bodyPr/>
+          <a:lstStyle/>
+          <a:p>
+            <a:r>
+              <a:rPr lang="en-US" dirty="0"/>
+              <a:t>Personal</a:t>
+            </a:r>
+          </a:p>
+        </p:txBody>
+      </p:sp>
+      <p:sp>
+        <p:nvSpPr>
+          <p:cNvPr id="3" name="Content Placeholder 2">
+            <a:extLst>
+              <a:ext uri="{FF2B5EF4-FFF2-40B4-BE49-F238E27FC236}">
+                <a16:creationId xmlns:a16="http://schemas.microsoft.com/office/drawing/2014/main" id="{55431B94-CC69-45C1-B133-618BA78F3F62}"/>
+              </a:ext>
+            </a:extLst>
+          </p:cNvPr>
+          <p:cNvSpPr>
+            <a:spLocks noGrp="1"/>
+          </p:cNvSpPr>
+          <p:nvPr>
+            <p:ph idx="1"/>
+          </p:nvPr>
+        </p:nvSpPr>
+        <p:spPr/>
+        <p:txBody>
+          <a:bodyPr/>
+          <a:lstStyle/>
+          <a:p>
+            <a:r>
+              <a:rPr lang="en-US" dirty="0"/>
+              <a:t>Take care of your shit!</a:t>
+            </a:r>
+          </a:p>
+          <a:p>
+            <a:r>
+              <a:rPr lang="en-US" dirty="0"/>
+              <a:t>Taking Meds and Getting Counseling is not weakness!</a:t>
+            </a:r>
+          </a:p>
+        </p:txBody>
+      </p:sp>
+    </p:spTree>
+    <p:extLst>
+      <p:ext uri="{BB962C8B-B14F-4D97-AF65-F5344CB8AC3E}">
+        <p14:creationId xmlns:p14="http://schemas.microsoft.com/office/powerpoint/2010/main" val="2222282420"/>
+      </p:ext>
+    </p:extLst>
+  </p:cSld>
+  <p:clrMapOvr>
+    <a:masterClrMapping/>
+  </p:clrMapOvr>
+</p:sld>
+</file>
+
+<file path=ppt/slides/slide23.xml><?xml version="1.0" encoding="utf-8"?>
+<p:sld xmlns:a="http://schemas.openxmlformats.org/drawingml/2006/main" xmlns:r="http://schemas.openxmlformats.org/officeDocument/2006/relationships" xmlns:p="http://schemas.openxmlformats.org/presentationml/2006/main">
+  <p:cSld>
+    <p:spTree>
+      <p:nvGrpSpPr>
+        <p:cNvPr id="1" name=""/>
+        <p:cNvGrpSpPr/>
+        <p:nvPr/>
+      </p:nvGrpSpPr>
+      <p:grpSpPr>
+        <a:xfrm>
+          <a:off x="0" y="0"/>
+          <a:ext cx="0" cy="0"/>
+          <a:chOff x="0" y="0"/>
+          <a:chExt cx="0" cy="0"/>
+        </a:xfrm>
+      </p:grpSpPr>
+      <p:sp>
+        <p:nvSpPr>
+          <p:cNvPr id="2" name="Title 1">
+            <a:extLst>
+              <a:ext uri="{FF2B5EF4-FFF2-40B4-BE49-F238E27FC236}">
+                <a16:creationId xmlns:a16="http://schemas.microsoft.com/office/drawing/2014/main" id="{9CE3DE1B-9789-4B3B-80E4-E7FF90C1FA7A}"/>
+              </a:ext>
+            </a:extLst>
+          </p:cNvPr>
+          <p:cNvSpPr>
+            <a:spLocks noGrp="1"/>
+          </p:cNvSpPr>
+          <p:nvPr>
+            <p:ph type="title"/>
+          </p:nvPr>
+        </p:nvSpPr>
+        <p:spPr/>
+        <p:txBody>
+          <a:bodyPr/>
+          <a:lstStyle/>
+          <a:p>
+            <a:r>
+              <a:rPr lang="en-US" dirty="0"/>
+              <a:t>Organizing</a:t>
+            </a:r>
+          </a:p>
+        </p:txBody>
+      </p:sp>
+      <p:sp>
+        <p:nvSpPr>
+          <p:cNvPr id="3" name="Content Placeholder 2">
+            <a:extLst>
+              <a:ext uri="{FF2B5EF4-FFF2-40B4-BE49-F238E27FC236}">
+                <a16:creationId xmlns:a16="http://schemas.microsoft.com/office/drawing/2014/main" id="{5AA171F2-8678-4F29-B5E2-43BAA3F90D43}"/>
+              </a:ext>
+            </a:extLst>
+          </p:cNvPr>
+          <p:cNvSpPr>
+            <a:spLocks noGrp="1"/>
+          </p:cNvSpPr>
+          <p:nvPr>
+            <p:ph idx="1"/>
+          </p:nvPr>
+        </p:nvSpPr>
+        <p:spPr/>
+        <p:txBody>
+          <a:bodyPr/>
+          <a:lstStyle/>
+          <a:p>
+            <a:r>
+              <a:rPr lang="en-US" dirty="0"/>
+              <a:t>Ask for help</a:t>
+            </a:r>
+          </a:p>
+          <a:p>
+            <a:r>
+              <a:rPr lang="en-US" dirty="0"/>
+              <a:t>Know when to say yes</a:t>
+            </a:r>
+          </a:p>
+          <a:p>
+            <a:r>
+              <a:rPr lang="en-US" dirty="0"/>
+              <a:t>Know when to say no</a:t>
+            </a:r>
+          </a:p>
+          <a:p>
+            <a:r>
+              <a:rPr lang="en-US" dirty="0"/>
+              <a:t>Set Goals</a:t>
+            </a:r>
+          </a:p>
+          <a:p>
+            <a:r>
+              <a:rPr lang="en-US" dirty="0"/>
+              <a:t>It’s not about you!</a:t>
+            </a:r>
+          </a:p>
+          <a:p>
+            <a:r>
+              <a:rPr lang="en-US" dirty="0"/>
+              <a:t>It’s not about your company</a:t>
+            </a:r>
+          </a:p>
+        </p:txBody>
+      </p:sp>
+    </p:spTree>
+    <p:extLst>
+      <p:ext uri="{BB962C8B-B14F-4D97-AF65-F5344CB8AC3E}">
+        <p14:creationId xmlns:p14="http://schemas.microsoft.com/office/powerpoint/2010/main" val="142440515"/>
+      </p:ext>
+    </p:extLst>
+  </p:cSld>
+  <p:clrMapOvr>
+    <a:masterClrMapping/>
+  </p:clrMapOvr>
+</p:sld>
+</file>
+
+<file path=ppt/slides/slide24.xml><?xml version="1.0" encoding="utf-8"?>
+<p:sld xmlns:a="http://schemas.openxmlformats.org/drawingml/2006/main" xmlns:r="http://schemas.openxmlformats.org/officeDocument/2006/relationships" xmlns:p="http://schemas.openxmlformats.org/presentationml/2006/main">
+  <p:cSld>
+    <p:spTree>
+      <p:nvGrpSpPr>
+        <p:cNvPr id="1" name=""/>
+        <p:cNvGrpSpPr/>
+        <p:nvPr/>
+      </p:nvGrpSpPr>
+      <p:grpSpPr>
+        <a:xfrm>
+          <a:off x="0" y="0"/>
+          <a:ext cx="0" cy="0"/>
+          <a:chOff x="0" y="0"/>
+          <a:chExt cx="0" cy="0"/>
+        </a:xfrm>
+      </p:grpSpPr>
+      <p:sp>
+        <p:nvSpPr>
+          <p:cNvPr id="2" name="Title 1">
+            <a:extLst>
+              <a:ext uri="{FF2B5EF4-FFF2-40B4-BE49-F238E27FC236}">
+                <a16:creationId xmlns:a16="http://schemas.microsoft.com/office/drawing/2014/main" id="{1C1D2E39-C6B0-45E3-8CAC-8F471475DCCE}"/>
+              </a:ext>
+            </a:extLst>
+          </p:cNvPr>
+          <p:cNvSpPr>
+            <a:spLocks noGrp="1"/>
+          </p:cNvSpPr>
+          <p:nvPr>
+            <p:ph type="title"/>
+          </p:nvPr>
+        </p:nvSpPr>
+        <p:spPr/>
+        <p:txBody>
+          <a:bodyPr/>
+          <a:lstStyle/>
+          <a:p>
+            <a:r>
+              <a:rPr lang="en-US" dirty="0"/>
+              <a:t>Be a Reader</a:t>
+            </a:r>
+          </a:p>
+        </p:txBody>
+      </p:sp>
+      <p:sp>
+        <p:nvSpPr>
+          <p:cNvPr id="3" name="Content Placeholder 2">
+            <a:extLst>
+              <a:ext uri="{FF2B5EF4-FFF2-40B4-BE49-F238E27FC236}">
+                <a16:creationId xmlns:a16="http://schemas.microsoft.com/office/drawing/2014/main" id="{56F4A057-61A2-46AF-A9C7-EFBCA6B986E0}"/>
+              </a:ext>
+            </a:extLst>
+          </p:cNvPr>
+          <p:cNvSpPr>
+            <a:spLocks noGrp="1"/>
+          </p:cNvSpPr>
+          <p:nvPr>
+            <p:ph idx="1"/>
+          </p:nvPr>
+        </p:nvSpPr>
+        <p:spPr/>
+        <p:txBody>
+          <a:bodyPr/>
+          <a:lstStyle/>
+          <a:p>
+            <a:r>
+              <a:rPr lang="en-US" dirty="0"/>
+              <a:t>GTD</a:t>
+            </a:r>
+          </a:p>
+          <a:p>
+            <a:r>
+              <a:rPr lang="en-US" dirty="0"/>
+              <a:t>The Phoenix Project</a:t>
+            </a:r>
+          </a:p>
+          <a:p>
+            <a:r>
+              <a:rPr lang="en-US" dirty="0"/>
+              <a:t>The DevOps Handbook</a:t>
+            </a:r>
+          </a:p>
+          <a:p>
+            <a:r>
+              <a:rPr lang="en-US" dirty="0"/>
+              <a:t>The 5 Dysfunctions of a Team</a:t>
+            </a:r>
+          </a:p>
+          <a:p>
+            <a:r>
+              <a:rPr lang="en-US" dirty="0"/>
+              <a:t>Boundaries</a:t>
+            </a:r>
+          </a:p>
+          <a:p>
+            <a:r>
+              <a:rPr lang="en-US"/>
+              <a:t>Integrity</a:t>
+            </a:r>
+            <a:endParaRPr lang="en-US" dirty="0"/>
+          </a:p>
+        </p:txBody>
+      </p:sp>
+    </p:spTree>
+    <p:extLst>
+      <p:ext uri="{BB962C8B-B14F-4D97-AF65-F5344CB8AC3E}">
+        <p14:creationId xmlns:p14="http://schemas.microsoft.com/office/powerpoint/2010/main" val="2704676566"/>
       </p:ext>
     </p:extLst>
   </p:cSld>
